--- a/documentacao/ppt.pptx
+++ b/documentacao/ppt.pptx
@@ -11,6 +11,7 @@
     <p:sldId id="258" r:id="rId5"/>
     <p:sldId id="259" r:id="rId6"/>
     <p:sldId id="260" r:id="rId7"/>
+    <p:sldId id="261" r:id="rId8"/>
   </p:sldIdLst>
   <p:sldSz cx="12192000" cy="6858000"/>
   <p:notesSz cx="6858000" cy="9144000"/>
@@ -276,7 +277,7 @@
           <a:p>
             <a:fld id="{64F0E216-BA48-4F04-AC4F-645AA0DD6AC6}" type="datetimeFigureOut">
               <a:rPr lang="en-US" smtClean="0"/>
-              <a:t>11/6/2020</a:t>
+              <a:t>11/27/2020</a:t>
             </a:fld>
             <a:endParaRPr lang="en-US" dirty="0"/>
           </a:p>
@@ -1324,7 +1325,7 @@
           <a:p>
             <a:fld id="{64F0E216-BA48-4F04-AC4F-645AA0DD6AC6}" type="datetimeFigureOut">
               <a:rPr lang="en-US" smtClean="0"/>
-              <a:t>11/6/2020</a:t>
+              <a:t>11/27/2020</a:t>
             </a:fld>
             <a:endParaRPr lang="en-US"/>
           </a:p>
@@ -1560,7 +1561,7 @@
           <a:p>
             <a:fld id="{64F0E216-BA48-4F04-AC4F-645AA0DD6AC6}" type="datetimeFigureOut">
               <a:rPr lang="en-US" smtClean="0"/>
-              <a:t>11/6/2020</a:t>
+              <a:t>11/27/2020</a:t>
             </a:fld>
             <a:endParaRPr lang="en-US"/>
           </a:p>
@@ -3996,7 +3997,7 @@
           <a:p>
             <a:fld id="{3C04E684-10F4-4CC3-A0B9-F03AA7BE37CF}" type="datetimeFigureOut">
               <a:rPr lang="en-US" smtClean="0"/>
-              <a:t>11/6/2020</a:t>
+              <a:t>11/27/2020</a:t>
             </a:fld>
             <a:endParaRPr lang="en-US"/>
           </a:p>
@@ -4733,7 +4734,7 @@
           <a:p>
             <a:fld id="{3C04E684-10F4-4CC3-A0B9-F03AA7BE37CF}" type="datetimeFigureOut">
               <a:rPr lang="en-US" smtClean="0"/>
-              <a:t>11/6/2020</a:t>
+              <a:t>11/27/2020</a:t>
             </a:fld>
             <a:endParaRPr lang="en-US"/>
           </a:p>
@@ -5375,7 +5376,7 @@
           <a:p>
             <a:fld id="{3C04E684-10F4-4CC3-A0B9-F03AA7BE37CF}" type="datetimeFigureOut">
               <a:rPr lang="en-US" smtClean="0"/>
-              <a:t>11/6/2020</a:t>
+              <a:t>11/27/2020</a:t>
             </a:fld>
             <a:endParaRPr lang="en-US"/>
           </a:p>
@@ -6175,7 +6176,7 @@
           <a:p>
             <a:fld id="{3C04E684-10F4-4CC3-A0B9-F03AA7BE37CF}" type="datetimeFigureOut">
               <a:rPr lang="en-US" smtClean="0"/>
-              <a:t>11/6/2020</a:t>
+              <a:t>11/27/2020</a:t>
             </a:fld>
             <a:endParaRPr lang="en-US"/>
           </a:p>
@@ -7126,7 +7127,7 @@
           <a:p>
             <a:fld id="{3C04E684-10F4-4CC3-A0B9-F03AA7BE37CF}" type="datetimeFigureOut">
               <a:rPr lang="en-US" smtClean="0"/>
-              <a:t>11/6/2020</a:t>
+              <a:t>11/27/2020</a:t>
             </a:fld>
             <a:endParaRPr lang="en-US"/>
           </a:p>
@@ -9475,7 +9476,7 @@
           <a:p>
             <a:fld id="{3C04E684-10F4-4CC3-A0B9-F03AA7BE37CF}" type="datetimeFigureOut">
               <a:rPr lang="en-US" smtClean="0"/>
-              <a:t>11/6/2020</a:t>
+              <a:t>11/27/2020</a:t>
             </a:fld>
             <a:endParaRPr lang="en-US"/>
           </a:p>
@@ -9588,7 +9589,7 @@
           <a:p>
             <a:fld id="{3C04E684-10F4-4CC3-A0B9-F03AA7BE37CF}" type="datetimeFigureOut">
               <a:rPr lang="en-US" smtClean="0"/>
-              <a:t>11/6/2020</a:t>
+              <a:t>11/27/2020</a:t>
             </a:fld>
             <a:endParaRPr lang="en-US"/>
           </a:p>
@@ -10095,7 +10096,7 @@
           <a:p>
             <a:fld id="{3C04E684-10F4-4CC3-A0B9-F03AA7BE37CF}" type="datetimeFigureOut">
               <a:rPr lang="en-US" smtClean="0"/>
-              <a:t>11/6/2020</a:t>
+              <a:t>11/27/2020</a:t>
             </a:fld>
             <a:endParaRPr lang="en-US"/>
           </a:p>
@@ -10302,7 +10303,7 @@
           <a:p>
             <a:fld id="{64F0E216-BA48-4F04-AC4F-645AA0DD6AC6}" type="datetimeFigureOut">
               <a:rPr lang="en-US" smtClean="0"/>
-              <a:t>11/6/2020</a:t>
+              <a:t>11/27/2020</a:t>
             </a:fld>
             <a:endParaRPr lang="en-US"/>
           </a:p>
@@ -11621,7 +11622,7 @@
           <a:p>
             <a:fld id="{3C04E684-10F4-4CC3-A0B9-F03AA7BE37CF}" type="datetimeFigureOut">
               <a:rPr lang="en-US" smtClean="0"/>
-              <a:t>11/6/2020</a:t>
+              <a:t>11/27/2020</a:t>
             </a:fld>
             <a:endParaRPr lang="en-US"/>
           </a:p>
@@ -14115,7 +14116,7 @@
           <a:p>
             <a:fld id="{3C04E684-10F4-4CC3-A0B9-F03AA7BE37CF}" type="datetimeFigureOut">
               <a:rPr lang="en-US" smtClean="0"/>
-              <a:t>11/6/2020</a:t>
+              <a:t>11/27/2020</a:t>
             </a:fld>
             <a:endParaRPr lang="en-US"/>
           </a:p>
@@ -14313,7 +14314,7 @@
           <a:p>
             <a:fld id="{3C04E684-10F4-4CC3-A0B9-F03AA7BE37CF}" type="datetimeFigureOut">
               <a:rPr lang="en-US" smtClean="0"/>
-              <a:t>11/6/2020</a:t>
+              <a:t>11/27/2020</a:t>
             </a:fld>
             <a:endParaRPr lang="en-US"/>
           </a:p>
@@ -14521,7 +14522,7 @@
           <a:p>
             <a:fld id="{3C04E684-10F4-4CC3-A0B9-F03AA7BE37CF}" type="datetimeFigureOut">
               <a:rPr lang="en-US" smtClean="0"/>
-              <a:t>11/6/2020</a:t>
+              <a:t>11/27/2020</a:t>
             </a:fld>
             <a:endParaRPr lang="en-US"/>
           </a:p>
@@ -14807,7 +14808,7 @@
           <a:p>
             <a:fld id="{64F0E216-BA48-4F04-AC4F-645AA0DD6AC6}" type="datetimeFigureOut">
               <a:rPr lang="en-US" smtClean="0"/>
-              <a:t>11/6/2020</a:t>
+              <a:t>11/27/2020</a:t>
             </a:fld>
             <a:endParaRPr lang="en-US"/>
           </a:p>
@@ -16271,7 +16272,7 @@
           <a:p>
             <a:fld id="{64F0E216-BA48-4F04-AC4F-645AA0DD6AC6}" type="datetimeFigureOut">
               <a:rPr lang="en-US" smtClean="0"/>
-              <a:t>11/6/2020</a:t>
+              <a:t>11/27/2020</a:t>
             </a:fld>
             <a:endParaRPr lang="en-US"/>
           </a:p>
@@ -16738,7 +16739,7 @@
           <a:p>
             <a:fld id="{64F0E216-BA48-4F04-AC4F-645AA0DD6AC6}" type="datetimeFigureOut">
               <a:rPr lang="en-US" smtClean="0"/>
-              <a:t>11/6/2020</a:t>
+              <a:t>11/27/2020</a:t>
             </a:fld>
             <a:endParaRPr lang="en-US"/>
           </a:p>
@@ -16913,7 +16914,7 @@
           <a:p>
             <a:fld id="{64F0E216-BA48-4F04-AC4F-645AA0DD6AC6}" type="datetimeFigureOut">
               <a:rPr lang="en-US" smtClean="0"/>
-              <a:t>11/6/2020</a:t>
+              <a:t>11/27/2020</a:t>
             </a:fld>
             <a:endParaRPr lang="en-US"/>
           </a:p>
@@ -17050,7 +17051,7 @@
           <a:p>
             <a:fld id="{64F0E216-BA48-4F04-AC4F-645AA0DD6AC6}" type="datetimeFigureOut">
               <a:rPr lang="en-US" smtClean="0"/>
-              <a:t>11/6/2020</a:t>
+              <a:t>11/27/2020</a:t>
             </a:fld>
             <a:endParaRPr lang="en-US"/>
           </a:p>
@@ -17400,7 +17401,7 @@
           <a:p>
             <a:fld id="{64F0E216-BA48-4F04-AC4F-645AA0DD6AC6}" type="datetimeFigureOut">
               <a:rPr lang="en-US" smtClean="0"/>
-              <a:t>11/6/2020</a:t>
+              <a:t>11/27/2020</a:t>
             </a:fld>
             <a:endParaRPr lang="en-US"/>
           </a:p>
@@ -17721,7 +17722,7 @@
           <a:p>
             <a:fld id="{64F0E216-BA48-4F04-AC4F-645AA0DD6AC6}" type="datetimeFigureOut">
               <a:rPr lang="en-US" smtClean="0"/>
-              <a:t>11/6/2020</a:t>
+              <a:t>11/27/2020</a:t>
             </a:fld>
             <a:endParaRPr lang="en-US"/>
           </a:p>
@@ -17983,7 +17984,7 @@
             <a:fld id="{64F0E216-BA48-4F04-AC4F-645AA0DD6AC6}" type="datetimeFigureOut">
               <a:rPr lang="en-US" smtClean="0"/>
               <a:pPr/>
-              <a:t>11/6/2020</a:t>
+              <a:t>11/27/2020</a:t>
             </a:fld>
             <a:endParaRPr lang="en-US" dirty="0"/>
           </a:p>
@@ -18598,7 +18599,7 @@
           <a:p>
             <a:fld id="{3C04E684-10F4-4CC3-A0B9-F03AA7BE37CF}" type="datetimeFigureOut">
               <a:rPr lang="en-US" smtClean="0"/>
-              <a:t>11/6/2020</a:t>
+              <a:t>11/27/2020</a:t>
             </a:fld>
             <a:endParaRPr lang="en-US"/>
           </a:p>
@@ -20147,6 +20148,71 @@
 </p:sld>
 </file>
 
+<file path=ppt/slides/slide6.xml><?xml version="1.0" encoding="utf-8"?>
+<p:sld xmlns:a="http://schemas.openxmlformats.org/drawingml/2006/main" xmlns:r="http://schemas.openxmlformats.org/officeDocument/2006/relationships" xmlns:p="http://schemas.openxmlformats.org/presentationml/2006/main">
+  <p:cSld>
+    <p:spTree>
+      <p:nvGrpSpPr>
+        <p:cNvPr id="1" name=""/>
+        <p:cNvGrpSpPr/>
+        <p:nvPr/>
+      </p:nvGrpSpPr>
+      <p:grpSpPr>
+        <a:xfrm>
+          <a:off x="0" y="0"/>
+          <a:ext cx="0" cy="0"/>
+          <a:chOff x="0" y="0"/>
+          <a:chExt cx="0" cy="0"/>
+        </a:xfrm>
+      </p:grpSpPr>
+      <p:sp>
+        <p:nvSpPr>
+          <p:cNvPr id="2" name="Título 1">
+            <a:extLst>
+              <a:ext uri="{FF2B5EF4-FFF2-40B4-BE49-F238E27FC236}">
+                <a16:creationId xmlns:a16="http://schemas.microsoft.com/office/drawing/2014/main" id="{763AB35F-42F9-4236-A371-7BDB7596054F}"/>
+              </a:ext>
+            </a:extLst>
+          </p:cNvPr>
+          <p:cNvSpPr>
+            <a:spLocks noGrp="1"/>
+          </p:cNvSpPr>
+          <p:nvPr>
+            <p:ph type="title"/>
+          </p:nvPr>
+        </p:nvSpPr>
+        <p:spPr>
+          <a:xfrm>
+            <a:off x="2348672" y="3146753"/>
+            <a:ext cx="7494656" cy="564493"/>
+          </a:xfrm>
+        </p:spPr>
+        <p:txBody>
+          <a:bodyPr>
+            <a:noAutofit/>
+          </a:bodyPr>
+          <a:lstStyle/>
+          <a:p>
+            <a:r>
+              <a:rPr lang="pt-BR" sz="3200" b="1" dirty="0"/>
+              <a:t>Obrigado pela atenção</a:t>
+            </a:r>
+          </a:p>
+        </p:txBody>
+      </p:sp>
+    </p:spTree>
+    <p:extLst>
+      <p:ext uri="{BB962C8B-B14F-4D97-AF65-F5344CB8AC3E}">
+        <p14:creationId xmlns:p14="http://schemas.microsoft.com/office/powerpoint/2010/main" val="3932884238"/>
+      </p:ext>
+    </p:extLst>
+  </p:cSld>
+  <p:clrMapOvr>
+    <a:masterClrMapping/>
+  </p:clrMapOvr>
+</p:sld>
+</file>
+
 <file path=ppt/theme/theme1.xml><?xml version="1.0" encoding="utf-8"?>
 <a:theme xmlns:a="http://schemas.openxmlformats.org/drawingml/2006/main" name="LeafVTI">
   <a:themeElements>
